--- a/assets/Menu_UI/Title.pptx
+++ b/assets/Menu_UI/Title.pptx
@@ -6,6 +6,7 @@
   </p:sldMasterIdLst>
   <p:sldIdLst>
     <p:sldId id="256" r:id="rId2"/>
+    <p:sldId id="257" r:id="rId3"/>
   </p:sldIdLst>
   <p:sldSz cx="9144000" cy="6858000" type="screen4x3"/>
   <p:notesSz cx="6858000" cy="9144000"/>
@@ -862,7 +863,7 @@
       <dgm:spPr>
         <a:scene3d>
           <a:camera prst="orthographicFront" zoom="95000">
-            <a:rot lat="600000" lon="1680000" rev="21294000"/>
+            <a:rot lat="600000" lon="1680000" rev="21474000"/>
           </a:camera>
           <a:lightRig rig="flat" dir="t"/>
         </a:scene3d>
@@ -932,7 +933,7 @@
         <a:lstStyle/>
         <a:p>
           <a:r>
-            <a:rPr lang="en-US" smtClean="0">
+            <a:rPr lang="en-US" dirty="0" smtClean="0">
               <a:solidFill>
                 <a:srgbClr val="FFFFFF"/>
               </a:solidFill>
@@ -1240,7 +1241,7 @@
         <a:effectLst/>
         <a:scene3d>
           <a:camera prst="orthographicFront" zoom="95000">
-            <a:rot lat="600000" lon="1680000" rev="21294000"/>
+            <a:rot lat="600000" lon="1680000" rev="21474000"/>
           </a:camera>
           <a:lightRig rig="flat" dir="t"/>
         </a:scene3d>
@@ -1275,7 +1276,7 @@
             </a:spcAft>
           </a:pPr>
           <a:r>
-            <a:rPr lang="en-US" sz="4600" kern="1200" smtClean="0">
+            <a:rPr lang="en-US" sz="4600" kern="1200" dirty="0" smtClean="0">
               <a:solidFill>
                 <a:srgbClr val="FFFFFF"/>
               </a:solidFill>
@@ -1331,7 +1332,7 @@
         <a:effectLst/>
         <a:scene3d>
           <a:camera prst="orthographicFront" zoom="95000">
-            <a:rot lat="600000" lon="1680000" rev="21294000"/>
+            <a:rot lat="600000" lon="1680000" rev="21474000"/>
           </a:camera>
           <a:lightRig rig="flat" dir="t"/>
         </a:scene3d>
@@ -1376,7 +1377,7 @@
         <a:effectLst/>
         <a:scene3d>
           <a:camera prst="orthographicFront" zoom="95000">
-            <a:rot lat="600000" lon="1680000" rev="21294000"/>
+            <a:rot lat="600000" lon="1680000" rev="21474000"/>
           </a:camera>
           <a:lightRig rig="flat" dir="t"/>
         </a:scene3d>
@@ -1467,7 +1468,7 @@
         <a:effectLst/>
         <a:scene3d>
           <a:camera prst="orthographicFront" zoom="95000">
-            <a:rot lat="600000" lon="1680000" rev="21294000"/>
+            <a:rot lat="600000" lon="1680000" rev="21474000"/>
           </a:camera>
           <a:lightRig rig="flat" dir="t"/>
         </a:scene3d>
@@ -1512,7 +1513,7 @@
         <a:effectLst/>
         <a:scene3d>
           <a:camera prst="orthographicFront" zoom="95000">
-            <a:rot lat="600000" lon="1680000" rev="21294000"/>
+            <a:rot lat="600000" lon="1680000" rev="21474000"/>
           </a:camera>
           <a:lightRig rig="flat" dir="t"/>
         </a:scene3d>
@@ -1603,7 +1604,7 @@
         <a:effectLst/>
         <a:scene3d>
           <a:camera prst="orthographicFront" zoom="95000">
-            <a:rot lat="600000" lon="1680000" rev="21294000"/>
+            <a:rot lat="600000" lon="1680000" rev="21474000"/>
           </a:camera>
           <a:lightRig rig="flat" dir="t"/>
         </a:scene3d>
@@ -1648,7 +1649,7 @@
         <a:effectLst/>
         <a:scene3d>
           <a:camera prst="orthographicFront" zoom="95000">
-            <a:rot lat="600000" lon="1680000" rev="21294000"/>
+            <a:rot lat="600000" lon="1680000" rev="21474000"/>
           </a:camera>
           <a:lightRig rig="flat" dir="t"/>
         </a:scene3d>
@@ -1739,7 +1740,7 @@
         <a:effectLst/>
         <a:scene3d>
           <a:camera prst="orthographicFront" zoom="95000">
-            <a:rot lat="600000" lon="1680000" rev="21294000"/>
+            <a:rot lat="600000" lon="1680000" rev="21474000"/>
           </a:camera>
           <a:lightRig rig="flat" dir="t"/>
         </a:scene3d>
@@ -5569,9 +5570,14 @@
 <p:sldMaster xmlns:a="http://schemas.openxmlformats.org/drawingml/2006/main" xmlns:r="http://schemas.openxmlformats.org/officeDocument/2006/relationships" xmlns:p="http://schemas.openxmlformats.org/presentationml/2006/main">
   <p:cSld>
     <p:bg>
-      <p:bgRef idx="1001">
-        <a:schemeClr val="bg1"/>
-      </p:bgRef>
+      <p:bgPr>
+        <a:solidFill>
+          <a:schemeClr val="accent1">
+            <a:lumMod val="75000"/>
+          </a:schemeClr>
+        </a:solidFill>
+        <a:effectLst/>
+      </p:bgPr>
     </p:bg>
     <p:spTree>
       <p:nvGrpSpPr>
@@ -6078,16 +6084,6 @@
 <file path=ppt/slides/slide1.xml><?xml version="1.0" encoding="utf-8"?>
 <p:sld xmlns:a="http://schemas.openxmlformats.org/drawingml/2006/main" xmlns:r="http://schemas.openxmlformats.org/officeDocument/2006/relationships" xmlns:p="http://schemas.openxmlformats.org/presentationml/2006/main">
   <p:cSld>
-    <p:bg>
-      <p:bgPr>
-        <a:solidFill>
-          <a:schemeClr val="accent1">
-            <a:lumMod val="75000"/>
-          </a:schemeClr>
-        </a:solidFill>
-        <a:effectLst/>
-      </p:bgPr>
-    </p:bg>
     <p:spTree>
       <p:nvGrpSpPr>
         <p:cNvPr id="1" name=""/>
@@ -6109,7 +6105,7 @@
           <p:nvPr>
             <p:extLst>
               <p:ext uri="{D42A27DB-BD31-4B8C-83A1-F6EECF244321}">
-                <p14:modId xmlns:p14="http://schemas.microsoft.com/office/powerpoint/2010/main" val="314912534"/>
+                <p14:modId xmlns:p14="http://schemas.microsoft.com/office/powerpoint/2010/main" val="3168303404"/>
               </p:ext>
             </p:extLst>
           </p:nvPr>
@@ -6128,6 +6124,155 @@
     <p:extLst>
       <p:ext uri="{BB962C8B-B14F-4D97-AF65-F5344CB8AC3E}">
         <p14:creationId xmlns:p14="http://schemas.microsoft.com/office/powerpoint/2010/main" val="1118247542"/>
+      </p:ext>
+    </p:extLst>
+  </p:cSld>
+  <p:clrMapOvr>
+    <a:masterClrMapping/>
+  </p:clrMapOvr>
+</p:sld>
+</file>
+
+<file path=ppt/slides/slide2.xml><?xml version="1.0" encoding="utf-8"?>
+<p:sld xmlns:a="http://schemas.openxmlformats.org/drawingml/2006/main" xmlns:r="http://schemas.openxmlformats.org/officeDocument/2006/relationships" xmlns:p="http://schemas.openxmlformats.org/presentationml/2006/main">
+  <p:cSld>
+    <p:spTree>
+      <p:nvGrpSpPr>
+        <p:cNvPr id="1" name=""/>
+        <p:cNvGrpSpPr/>
+        <p:nvPr/>
+      </p:nvGrpSpPr>
+      <p:grpSpPr>
+        <a:xfrm>
+          <a:off x="0" y="0"/>
+          <a:ext cx="0" cy="0"/>
+          <a:chOff x="0" y="0"/>
+          <a:chExt cx="0" cy="0"/>
+        </a:xfrm>
+      </p:grpSpPr>
+      <p:sp>
+        <p:nvSpPr>
+          <p:cNvPr id="2" name="Title 1"/>
+          <p:cNvSpPr>
+            <a:spLocks noGrp="1"/>
+          </p:cNvSpPr>
+          <p:nvPr>
+            <p:ph type="title"/>
+          </p:nvPr>
+        </p:nvSpPr>
+        <p:spPr/>
+        <p:txBody>
+          <a:bodyPr>
+            <a:normAutofit/>
+          </a:bodyPr>
+          <a:lstStyle/>
+          <a:p>
+            <a:r>
+              <a:rPr lang="en-US" dirty="0" smtClean="0">
+                <a:solidFill>
+                  <a:srgbClr val="FFFFFF"/>
+                </a:solidFill>
+                <a:latin typeface="Stencil"/>
+                <a:cs typeface="Stencil"/>
+              </a:rPr>
+              <a:t>How TO play</a:t>
+            </a:r>
+            <a:endParaRPr lang="en-US" dirty="0">
+              <a:solidFill>
+                <a:srgbClr val="FFFFFF"/>
+              </a:solidFill>
+              <a:latin typeface="Stencil"/>
+              <a:cs typeface="Stencil"/>
+            </a:endParaRPr>
+          </a:p>
+        </p:txBody>
+      </p:sp>
+      <p:sp>
+        <p:nvSpPr>
+          <p:cNvPr id="3" name="Content Placeholder 2"/>
+          <p:cNvSpPr>
+            <a:spLocks noGrp="1"/>
+          </p:cNvSpPr>
+          <p:nvPr>
+            <p:ph idx="1"/>
+          </p:nvPr>
+        </p:nvSpPr>
+        <p:spPr>
+          <a:xfrm>
+            <a:off x="457200" y="1791363"/>
+            <a:ext cx="8229600" cy="4525963"/>
+          </a:xfrm>
+        </p:spPr>
+        <p:txBody>
+          <a:bodyPr/>
+          <a:lstStyle/>
+          <a:p>
+            <a:r>
+              <a:rPr lang="en-US" dirty="0" smtClean="0">
+                <a:solidFill>
+                  <a:srgbClr val="FFFFFF"/>
+                </a:solidFill>
+                <a:latin typeface="Superclarendon Regular"/>
+                <a:cs typeface="Superclarendon Regular"/>
+              </a:rPr>
+              <a:t>Use your inventory of rooms to build a house for each client</a:t>
+            </a:r>
+          </a:p>
+          <a:p>
+            <a:endParaRPr lang="en-US" dirty="0" smtClean="0">
+              <a:solidFill>
+                <a:srgbClr val="FFFFFF"/>
+              </a:solidFill>
+              <a:latin typeface="Superclarendon Regular"/>
+              <a:cs typeface="Superclarendon Regular"/>
+            </a:endParaRPr>
+          </a:p>
+          <a:p>
+            <a:r>
+              <a:rPr lang="en-US" dirty="0" smtClean="0">
+                <a:solidFill>
+                  <a:srgbClr val="FFFFFF"/>
+                </a:solidFill>
+                <a:latin typeface="Superclarendon Regular"/>
+                <a:cs typeface="Superclarendon Regular"/>
+              </a:rPr>
+              <a:t>Pay attention to their wants and needs</a:t>
+            </a:r>
+          </a:p>
+          <a:p>
+            <a:endParaRPr lang="en-US" dirty="0" smtClean="0">
+              <a:solidFill>
+                <a:srgbClr val="FFFFFF"/>
+              </a:solidFill>
+              <a:latin typeface="Superclarendon Regular"/>
+              <a:cs typeface="Superclarendon Regular"/>
+            </a:endParaRPr>
+          </a:p>
+          <a:p>
+            <a:r>
+              <a:rPr lang="en-US" dirty="0" smtClean="0">
+                <a:solidFill>
+                  <a:srgbClr val="FFFFFF"/>
+                </a:solidFill>
+                <a:latin typeface="Superclarendon Regular"/>
+                <a:cs typeface="Superclarendon Regular"/>
+              </a:rPr>
+              <a:t>Press ▶︎ Play to test it out!</a:t>
+            </a:r>
+            <a:endParaRPr lang="en-US" dirty="0">
+              <a:solidFill>
+                <a:srgbClr val="FFFFFF"/>
+              </a:solidFill>
+              <a:latin typeface="Superclarendon Regular"/>
+              <a:cs typeface="Superclarendon Regular"/>
+            </a:endParaRPr>
+          </a:p>
+        </p:txBody>
+      </p:sp>
+    </p:spTree>
+    <p:extLst>
+      <p:ext uri="{BB962C8B-B14F-4D97-AF65-F5344CB8AC3E}">
+        <p14:creationId xmlns:p14="http://schemas.microsoft.com/office/powerpoint/2010/main" val="2509696101"/>
       </p:ext>
     </p:extLst>
   </p:cSld>

--- a/assets/Menu_UI/Title.pptx
+++ b/assets/Menu_UI/Title.pptx
@@ -6236,8 +6236,25 @@
                 <a:latin typeface="Superclarendon Regular"/>
                 <a:cs typeface="Superclarendon Regular"/>
               </a:rPr>
-              <a:t>Pay attention to their wants and needs</a:t>
+              <a:t>Pay attention to their wants and </a:t>
             </a:r>
+            <a:r>
+              <a:rPr lang="en-US" smtClean="0">
+                <a:solidFill>
+                  <a:srgbClr val="FFFFFF"/>
+                </a:solidFill>
+                <a:latin typeface="Superclarendon Regular"/>
+                <a:cs typeface="Superclarendon Regular"/>
+              </a:rPr>
+              <a:t>daily schedules</a:t>
+            </a:r>
+            <a:endParaRPr lang="en-US" dirty="0" smtClean="0">
+              <a:solidFill>
+                <a:srgbClr val="FFFFFF"/>
+              </a:solidFill>
+              <a:latin typeface="Superclarendon Regular"/>
+              <a:cs typeface="Superclarendon Regular"/>
+            </a:endParaRPr>
           </a:p>
           <a:p>
             <a:endParaRPr lang="en-US" dirty="0" smtClean="0">
